--- a/docs/SpringCloud-微服务架构.pptx
+++ b/docs/SpringCloud-微服务架构.pptx
@@ -227,7 +227,7 @@
           <a:p>
             <a:fld id="{2CE94808-FCF7-4DCB-9CD4-829D8CE6B033}" type="datetimeFigureOut">
               <a:rPr lang="zh-CN" altLang="en-US" smtClean="0"/>
-              <a:t>2018/4/17</a:t>
+              <a:t>2018/5/27</a:t>
             </a:fld>
             <a:endParaRPr lang="zh-CN" altLang="en-US"/>
           </a:p>
@@ -6992,7 +6992,7 @@
           <a:p>
             <a:fld id="{96752D60-517D-4436-A25E-B2B283EBF11B}" type="datetimeFigureOut">
               <a:rPr lang="zh-CN" altLang="en-US" smtClean="0"/>
-              <a:t>2018/4/17</a:t>
+              <a:t>2018/5/27</a:t>
             </a:fld>
             <a:endParaRPr lang="zh-CN" altLang="en-US"/>
           </a:p>
@@ -7162,7 +7162,7 @@
           <a:p>
             <a:fld id="{96752D60-517D-4436-A25E-B2B283EBF11B}" type="datetimeFigureOut">
               <a:rPr lang="zh-CN" altLang="en-US" smtClean="0"/>
-              <a:t>2018/4/17</a:t>
+              <a:t>2018/5/27</a:t>
             </a:fld>
             <a:endParaRPr lang="zh-CN" altLang="en-US"/>
           </a:p>
@@ -7342,7 +7342,7 @@
           <a:p>
             <a:fld id="{96752D60-517D-4436-A25E-B2B283EBF11B}" type="datetimeFigureOut">
               <a:rPr lang="zh-CN" altLang="en-US" smtClean="0"/>
-              <a:t>2018/4/17</a:t>
+              <a:t>2018/5/27</a:t>
             </a:fld>
             <a:endParaRPr lang="zh-CN" altLang="en-US"/>
           </a:p>
@@ -7572,7 +7572,7 @@
           <a:p>
             <a:fld id="{96752D60-517D-4436-A25E-B2B283EBF11B}" type="datetimeFigureOut">
               <a:rPr lang="zh-CN" altLang="en-US" smtClean="0"/>
-              <a:t>2018/4/17</a:t>
+              <a:t>2018/5/27</a:t>
             </a:fld>
             <a:endParaRPr lang="zh-CN" altLang="en-US"/>
           </a:p>
@@ -7818,7 +7818,7 @@
           <a:p>
             <a:fld id="{96752D60-517D-4436-A25E-B2B283EBF11B}" type="datetimeFigureOut">
               <a:rPr lang="zh-CN" altLang="en-US" smtClean="0"/>
-              <a:t>2018/4/17</a:t>
+              <a:t>2018/5/27</a:t>
             </a:fld>
             <a:endParaRPr lang="zh-CN" altLang="en-US"/>
           </a:p>
@@ -8050,7 +8050,7 @@
           <a:p>
             <a:fld id="{96752D60-517D-4436-A25E-B2B283EBF11B}" type="datetimeFigureOut">
               <a:rPr lang="zh-CN" altLang="en-US" smtClean="0"/>
-              <a:t>2018/4/17</a:t>
+              <a:t>2018/5/27</a:t>
             </a:fld>
             <a:endParaRPr lang="zh-CN" altLang="en-US"/>
           </a:p>
@@ -8417,7 +8417,7 @@
           <a:p>
             <a:fld id="{96752D60-517D-4436-A25E-B2B283EBF11B}" type="datetimeFigureOut">
               <a:rPr lang="zh-CN" altLang="en-US" smtClean="0"/>
-              <a:t>2018/4/17</a:t>
+              <a:t>2018/5/27</a:t>
             </a:fld>
             <a:endParaRPr lang="zh-CN" altLang="en-US"/>
           </a:p>
@@ -8535,7 +8535,7 @@
           <a:p>
             <a:fld id="{96752D60-517D-4436-A25E-B2B283EBF11B}" type="datetimeFigureOut">
               <a:rPr lang="zh-CN" altLang="en-US" smtClean="0"/>
-              <a:t>2018/4/17</a:t>
+              <a:t>2018/5/27</a:t>
             </a:fld>
             <a:endParaRPr lang="zh-CN" altLang="en-US"/>
           </a:p>
@@ -8630,7 +8630,7 @@
           <a:p>
             <a:fld id="{96752D60-517D-4436-A25E-B2B283EBF11B}" type="datetimeFigureOut">
               <a:rPr lang="zh-CN" altLang="en-US" smtClean="0"/>
-              <a:t>2018/4/17</a:t>
+              <a:t>2018/5/27</a:t>
             </a:fld>
             <a:endParaRPr lang="zh-CN" altLang="en-US"/>
           </a:p>
@@ -8907,7 +8907,7 @@
           <a:p>
             <a:fld id="{96752D60-517D-4436-A25E-B2B283EBF11B}" type="datetimeFigureOut">
               <a:rPr lang="zh-CN" altLang="en-US" smtClean="0"/>
-              <a:t>2018/4/17</a:t>
+              <a:t>2018/5/27</a:t>
             </a:fld>
             <a:endParaRPr lang="zh-CN" altLang="en-US"/>
           </a:p>
@@ -9164,7 +9164,7 @@
           <a:p>
             <a:fld id="{96752D60-517D-4436-A25E-B2B283EBF11B}" type="datetimeFigureOut">
               <a:rPr lang="zh-CN" altLang="en-US" smtClean="0"/>
-              <a:t>2018/4/17</a:t>
+              <a:t>2018/5/27</a:t>
             </a:fld>
             <a:endParaRPr lang="zh-CN" altLang="en-US"/>
           </a:p>
@@ -9377,7 +9377,7 @@
           <a:p>
             <a:fld id="{96752D60-517D-4436-A25E-B2B283EBF11B}" type="datetimeFigureOut">
               <a:rPr lang="zh-CN" altLang="en-US" smtClean="0"/>
-              <a:t>2018/4/17</a:t>
+              <a:t>2018/5/27</a:t>
             </a:fld>
             <a:endParaRPr lang="zh-CN" altLang="en-US"/>
           </a:p>
@@ -15181,9 +15181,27 @@
             <a:tbl>
               <a:tblPr/>
               <a:tblGrid>
-                <a:gridCol w="1569647"/>
-                <a:gridCol w="1569647"/>
-                <a:gridCol w="4596822"/>
+                <a:gridCol w="1569647">
+                  <a:extLst>
+                    <a:ext uri="{9D8B030D-6E8A-4147-A177-3AD203B41FA5}">
+                      <a16:colId xmlns:a16="http://schemas.microsoft.com/office/drawing/2014/main" val="20000"/>
+                    </a:ext>
+                  </a:extLst>
+                </a:gridCol>
+                <a:gridCol w="1569647">
+                  <a:extLst>
+                    <a:ext uri="{9D8B030D-6E8A-4147-A177-3AD203B41FA5}">
+                      <a16:colId xmlns:a16="http://schemas.microsoft.com/office/drawing/2014/main" val="20001"/>
+                    </a:ext>
+                  </a:extLst>
+                </a:gridCol>
+                <a:gridCol w="4596822">
+                  <a:extLst>
+                    <a:ext uri="{9D8B030D-6E8A-4147-A177-3AD203B41FA5}">
+                      <a16:colId xmlns:a16="http://schemas.microsoft.com/office/drawing/2014/main" val="20002"/>
+                    </a:ext>
+                  </a:extLst>
+                </a:gridCol>
               </a:tblGrid>
               <a:tr h="740067">
                 <a:tc>
@@ -15333,6 +15351,11 @@
                     </a:lnB>
                   </a:tcPr>
                 </a:tc>
+                <a:extLst>
+                  <a:ext uri="{0D108BD9-81ED-4DB2-BD59-A6C34878D82A}">
+                    <a16:rowId xmlns:a16="http://schemas.microsoft.com/office/drawing/2014/main" val="10000"/>
+                  </a:ext>
+                </a:extLst>
               </a:tr>
               <a:tr h="398498">
                 <a:tc>
@@ -15491,6 +15514,11 @@
                     </a:lnB>
                   </a:tcPr>
                 </a:tc>
+                <a:extLst>
+                  <a:ext uri="{0D108BD9-81ED-4DB2-BD59-A6C34878D82A}">
+                    <a16:rowId xmlns:a16="http://schemas.microsoft.com/office/drawing/2014/main" val="10001"/>
+                  </a:ext>
+                </a:extLst>
               </a:tr>
               <a:tr h="398498">
                 <a:tc>
@@ -15649,6 +15677,11 @@
                     </a:lnB>
                   </a:tcPr>
                 </a:tc>
+                <a:extLst>
+                  <a:ext uri="{0D108BD9-81ED-4DB2-BD59-A6C34878D82A}">
+                    <a16:rowId xmlns:a16="http://schemas.microsoft.com/office/drawing/2014/main" val="10002"/>
+                  </a:ext>
+                </a:extLst>
               </a:tr>
               <a:tr h="398498">
                 <a:tc>
@@ -15807,6 +15840,11 @@
                     </a:lnB>
                   </a:tcPr>
                 </a:tc>
+                <a:extLst>
+                  <a:ext uri="{0D108BD9-81ED-4DB2-BD59-A6C34878D82A}">
+                    <a16:rowId xmlns:a16="http://schemas.microsoft.com/office/drawing/2014/main" val="10003"/>
+                  </a:ext>
+                </a:extLst>
               </a:tr>
               <a:tr h="398498">
                 <a:tc>
@@ -15974,6 +16012,11 @@
                     </a:lnB>
                   </a:tcPr>
                 </a:tc>
+                <a:extLst>
+                  <a:ext uri="{0D108BD9-81ED-4DB2-BD59-A6C34878D82A}">
+                    <a16:rowId xmlns:a16="http://schemas.microsoft.com/office/drawing/2014/main" val="10004"/>
+                  </a:ext>
+                </a:extLst>
               </a:tr>
               <a:tr h="398498">
                 <a:tc>
@@ -16132,6 +16175,11 @@
                     </a:lnB>
                   </a:tcPr>
                 </a:tc>
+                <a:extLst>
+                  <a:ext uri="{0D108BD9-81ED-4DB2-BD59-A6C34878D82A}">
+                    <a16:rowId xmlns:a16="http://schemas.microsoft.com/office/drawing/2014/main" val="10005"/>
+                  </a:ext>
+                </a:extLst>
               </a:tr>
               <a:tr h="398498">
                 <a:tc>
@@ -16290,6 +16338,11 @@
                     </a:lnB>
                   </a:tcPr>
                 </a:tc>
+                <a:extLst>
+                  <a:ext uri="{0D108BD9-81ED-4DB2-BD59-A6C34878D82A}">
+                    <a16:rowId xmlns:a16="http://schemas.microsoft.com/office/drawing/2014/main" val="10006"/>
+                  </a:ext>
+                </a:extLst>
               </a:tr>
               <a:tr h="398498">
                 <a:tc>
@@ -16448,6 +16501,11 @@
                     </a:lnB>
                   </a:tcPr>
                 </a:tc>
+                <a:extLst>
+                  <a:ext uri="{0D108BD9-81ED-4DB2-BD59-A6C34878D82A}">
+                    <a16:rowId xmlns:a16="http://schemas.microsoft.com/office/drawing/2014/main" val="10007"/>
+                  </a:ext>
+                </a:extLst>
               </a:tr>
               <a:tr h="398498">
                 <a:tc>
@@ -16606,6 +16664,11 @@
                     </a:lnB>
                   </a:tcPr>
                 </a:tc>
+                <a:extLst>
+                  <a:ext uri="{0D108BD9-81ED-4DB2-BD59-A6C34878D82A}">
+                    <a16:rowId xmlns:a16="http://schemas.microsoft.com/office/drawing/2014/main" val="10008"/>
+                  </a:ext>
+                </a:extLst>
               </a:tr>
               <a:tr h="398498">
                 <a:tc>
@@ -16764,6 +16827,11 @@
                     </a:lnB>
                   </a:tcPr>
                 </a:tc>
+                <a:extLst>
+                  <a:ext uri="{0D108BD9-81ED-4DB2-BD59-A6C34878D82A}">
+                    <a16:rowId xmlns:a16="http://schemas.microsoft.com/office/drawing/2014/main" val="10009"/>
+                  </a:ext>
+                </a:extLst>
               </a:tr>
               <a:tr h="398498">
                 <a:tc>
@@ -16922,6 +16990,11 @@
                     </a:lnB>
                   </a:tcPr>
                 </a:tc>
+                <a:extLst>
+                  <a:ext uri="{0D108BD9-81ED-4DB2-BD59-A6C34878D82A}">
+                    <a16:rowId xmlns:a16="http://schemas.microsoft.com/office/drawing/2014/main" val="10010"/>
+                  </a:ext>
+                </a:extLst>
               </a:tr>
               <a:tr h="398498">
                 <a:tc>
@@ -17080,6 +17153,11 @@
                     </a:lnB>
                   </a:tcPr>
                 </a:tc>
+                <a:extLst>
+                  <a:ext uri="{0D108BD9-81ED-4DB2-BD59-A6C34878D82A}">
+                    <a16:rowId xmlns:a16="http://schemas.microsoft.com/office/drawing/2014/main" val="10011"/>
+                  </a:ext>
+                </a:extLst>
               </a:tr>
             </a:tbl>
           </a:graphicData>
@@ -20207,7 +20285,7 @@
       </p:grpSpPr>
       <p:pic>
         <p:nvPicPr>
-          <p:cNvPr id="7" name="图片 6"/>
+          <p:cNvPr id="3" name="图片 2"/>
           <p:cNvPicPr>
             <a:picLocks noChangeAspect="1"/>
           </p:cNvPicPr>
@@ -20221,8 +20299,8 @@
         </p:blipFill>
         <p:spPr>
           <a:xfrm>
-            <a:off x="1524001" y="50362"/>
-            <a:ext cx="8142514" cy="6743597"/>
+            <a:off x="1685409" y="0"/>
+            <a:ext cx="8821182" cy="6858000"/>
           </a:xfrm>
           <a:prstGeom prst="rect">
             <a:avLst/>
@@ -21222,11 +21300,41 @@
             <a:tbl>
               <a:tblPr/>
               <a:tblGrid>
-                <a:gridCol w="1286615"/>
-                <a:gridCol w="1286615"/>
-                <a:gridCol w="1286615"/>
-                <a:gridCol w="1286615"/>
-                <a:gridCol w="1286615"/>
+                <a:gridCol w="1286615">
+                  <a:extLst>
+                    <a:ext uri="{9D8B030D-6E8A-4147-A177-3AD203B41FA5}">
+                      <a16:colId xmlns:a16="http://schemas.microsoft.com/office/drawing/2014/main" val="20000"/>
+                    </a:ext>
+                  </a:extLst>
+                </a:gridCol>
+                <a:gridCol w="1286615">
+                  <a:extLst>
+                    <a:ext uri="{9D8B030D-6E8A-4147-A177-3AD203B41FA5}">
+                      <a16:colId xmlns:a16="http://schemas.microsoft.com/office/drawing/2014/main" val="20001"/>
+                    </a:ext>
+                  </a:extLst>
+                </a:gridCol>
+                <a:gridCol w="1286615">
+                  <a:extLst>
+                    <a:ext uri="{9D8B030D-6E8A-4147-A177-3AD203B41FA5}">
+                      <a16:colId xmlns:a16="http://schemas.microsoft.com/office/drawing/2014/main" val="20002"/>
+                    </a:ext>
+                  </a:extLst>
+                </a:gridCol>
+                <a:gridCol w="1286615">
+                  <a:extLst>
+                    <a:ext uri="{9D8B030D-6E8A-4147-A177-3AD203B41FA5}">
+                      <a16:colId xmlns:a16="http://schemas.microsoft.com/office/drawing/2014/main" val="20003"/>
+                    </a:ext>
+                  </a:extLst>
+                </a:gridCol>
+                <a:gridCol w="1286615">
+                  <a:extLst>
+                    <a:ext uri="{9D8B030D-6E8A-4147-A177-3AD203B41FA5}">
+                      <a16:colId xmlns:a16="http://schemas.microsoft.com/office/drawing/2014/main" val="20004"/>
+                    </a:ext>
+                  </a:extLst>
+                </a:gridCol>
               </a:tblGrid>
               <a:tr h="360268">
                 <a:tc>
@@ -21579,6 +21687,11 @@
                     </a:gradFill>
                   </a:tcPr>
                 </a:tc>
+                <a:extLst>
+                  <a:ext uri="{0D108BD9-81ED-4DB2-BD59-A6C34878D82A}">
+                    <a16:rowId xmlns:a16="http://schemas.microsoft.com/office/drawing/2014/main" val="10000"/>
+                  </a:ext>
+                </a:extLst>
               </a:tr>
               <a:tr h="657914">
                 <a:tc>
@@ -21993,6 +22106,11 @@
                     </a:gradFill>
                   </a:tcPr>
                 </a:tc>
+                <a:extLst>
+                  <a:ext uri="{0D108BD9-81ED-4DB2-BD59-A6C34878D82A}">
+                    <a16:rowId xmlns:a16="http://schemas.microsoft.com/office/drawing/2014/main" val="10001"/>
+                  </a:ext>
+                </a:extLst>
               </a:tr>
               <a:tr h="360268">
                 <a:tc>
@@ -22375,6 +22493,11 @@
                     </a:gradFill>
                   </a:tcPr>
                 </a:tc>
+                <a:extLst>
+                  <a:ext uri="{0D108BD9-81ED-4DB2-BD59-A6C34878D82A}">
+                    <a16:rowId xmlns:a16="http://schemas.microsoft.com/office/drawing/2014/main" val="10002"/>
+                  </a:ext>
+                </a:extLst>
               </a:tr>
               <a:tr h="360268">
                 <a:tc>
@@ -22760,6 +22883,11 @@
                     </a:gradFill>
                   </a:tcPr>
                 </a:tc>
+                <a:extLst>
+                  <a:ext uri="{0D108BD9-81ED-4DB2-BD59-A6C34878D82A}">
+                    <a16:rowId xmlns:a16="http://schemas.microsoft.com/office/drawing/2014/main" val="10003"/>
+                  </a:ext>
+                </a:extLst>
               </a:tr>
               <a:tr h="211446">
                 <a:tc>
@@ -23137,6 +23265,11 @@
                     </a:gradFill>
                   </a:tcPr>
                 </a:tc>
+                <a:extLst>
+                  <a:ext uri="{0D108BD9-81ED-4DB2-BD59-A6C34878D82A}">
+                    <a16:rowId xmlns:a16="http://schemas.microsoft.com/office/drawing/2014/main" val="10004"/>
+                  </a:ext>
+                </a:extLst>
               </a:tr>
               <a:tr h="211446">
                 <a:tc>
@@ -23527,6 +23660,11 @@
                     </a:gradFill>
                   </a:tcPr>
                 </a:tc>
+                <a:extLst>
+                  <a:ext uri="{0D108BD9-81ED-4DB2-BD59-A6C34878D82A}">
+                    <a16:rowId xmlns:a16="http://schemas.microsoft.com/office/drawing/2014/main" val="10005"/>
+                  </a:ext>
+                </a:extLst>
               </a:tr>
               <a:tr h="509092">
                 <a:tc>
@@ -23952,6 +24090,11 @@
                     </a:gradFill>
                   </a:tcPr>
                 </a:tc>
+                <a:extLst>
+                  <a:ext uri="{0D108BD9-81ED-4DB2-BD59-A6C34878D82A}">
+                    <a16:rowId xmlns:a16="http://schemas.microsoft.com/office/drawing/2014/main" val="10006"/>
+                  </a:ext>
+                </a:extLst>
               </a:tr>
               <a:tr h="806736">
                 <a:tc>
@@ -24390,6 +24533,11 @@
                     </a:gradFill>
                   </a:tcPr>
                 </a:tc>
+                <a:extLst>
+                  <a:ext uri="{0D108BD9-81ED-4DB2-BD59-A6C34878D82A}">
+                    <a16:rowId xmlns:a16="http://schemas.microsoft.com/office/drawing/2014/main" val="10007"/>
+                  </a:ext>
+                </a:extLst>
               </a:tr>
               <a:tr h="360268">
                 <a:tc>
@@ -24767,6 +24915,11 @@
                     </a:gradFill>
                   </a:tcPr>
                 </a:tc>
+                <a:extLst>
+                  <a:ext uri="{0D108BD9-81ED-4DB2-BD59-A6C34878D82A}">
+                    <a16:rowId xmlns:a16="http://schemas.microsoft.com/office/drawing/2014/main" val="10008"/>
+                  </a:ext>
+                </a:extLst>
               </a:tr>
               <a:tr h="360268">
                 <a:tc>
@@ -25152,6 +25305,11 @@
                     </a:gradFill>
                   </a:tcPr>
                 </a:tc>
+                <a:extLst>
+                  <a:ext uri="{0D108BD9-81ED-4DB2-BD59-A6C34878D82A}">
+                    <a16:rowId xmlns:a16="http://schemas.microsoft.com/office/drawing/2014/main" val="10009"/>
+                  </a:ext>
+                </a:extLst>
               </a:tr>
               <a:tr h="509092">
                 <a:tc>
@@ -25537,6 +25695,11 @@
                     </a:gradFill>
                   </a:tcPr>
                 </a:tc>
+                <a:extLst>
+                  <a:ext uri="{0D108BD9-81ED-4DB2-BD59-A6C34878D82A}">
+                    <a16:rowId xmlns:a16="http://schemas.microsoft.com/office/drawing/2014/main" val="10010"/>
+                  </a:ext>
+                </a:extLst>
               </a:tr>
             </a:tbl>
           </a:graphicData>
